--- a/trunk/Presentacion Avance 1/Presentación Semana 5 v3.0.pptx
+++ b/trunk/Presentacion Avance 1/Presentación Semana 5 v3.0.pptx
@@ -818,7 +818,7 @@
           <p:nvPr userDrawn="1"/>
         </p:nvPicPr>
         <p:blipFill>
-          <a:blip r:embed="rId2"/>
+          <a:blip r:embed="rId3"/>
           <a:srcRect/>
           <a:stretch>
             <a:fillRect/>
@@ -912,7 +912,7 @@
           <p:nvPr/>
         </p:nvPicPr>
         <p:blipFill>
-          <a:blip r:embed="rId3"/>
+          <a:blip r:embed="rId4"/>
           <a:srcRect/>
           <a:stretch>
             <a:fillRect/>
@@ -2318,7 +2318,7 @@
           <p:nvPr userDrawn="1"/>
         </p:nvPicPr>
         <p:blipFill>
-          <a:blip r:embed="rId2"/>
+          <a:blip r:embed="rId3"/>
           <a:srcRect/>
           <a:stretch>
             <a:fillRect/>
@@ -2412,7 +2412,7 @@
           <p:nvPr/>
         </p:nvPicPr>
         <p:blipFill>
-          <a:blip r:embed="rId3"/>
+          <a:blip r:embed="rId4"/>
           <a:srcRect/>
           <a:stretch>
             <a:fillRect/>
@@ -7720,14 +7720,14 @@
             <p:ph type="tbl" idx="1"/>
             <p:extLst>
               <p:ext uri="{D42A27DB-BD31-4B8C-83A1-F6EECF244321}">
-                <p14:modId xmlns:p14="http://schemas.microsoft.com/office/powerpoint/2010/main" val="3069286257"/>
+                <p14:modId xmlns:p14="http://schemas.microsoft.com/office/powerpoint/2010/main" val="2194950662"/>
               </p:ext>
             </p:extLst>
           </p:nvPr>
         </p:nvGraphicFramePr>
         <p:xfrm>
           <a:off x="429766" y="1556792"/>
-          <a:ext cx="8030666" cy="4112915"/>
+          <a:ext cx="8030666" cy="4974165"/>
         </p:xfrm>
         <a:graphic>
           <a:graphicData uri="http://schemas.openxmlformats.org/drawingml/2006/table">
@@ -7747,10 +7747,10 @@
                     <a:p>
                       <a:pPr algn="ctr"/>
                       <a:r>
-                        <a:rPr lang="es-PE" sz="1500" dirty="0" smtClean="0"/>
+                        <a:rPr lang="es-PE" sz="1800" dirty="0" smtClean="0"/>
                         <a:t>RIESGOS</a:t>
                       </a:r>
-                      <a:endParaRPr lang="es-ES" sz="1500" dirty="0"/>
+                      <a:endParaRPr lang="es-ES" sz="1800" dirty="0"/>
                     </a:p>
                   </a:txBody>
                   <a:tcPr anchor="ctr">
@@ -7807,10 +7807,10 @@
                     <a:p>
                       <a:pPr algn="ctr"/>
                       <a:r>
-                        <a:rPr lang="es-PE" sz="1500" dirty="0" smtClean="0"/>
+                        <a:rPr lang="es-PE" sz="1800" dirty="0" smtClean="0"/>
                         <a:t>MITIGADO</a:t>
                       </a:r>
-                      <a:endParaRPr lang="es-ES" sz="1500" dirty="0"/>
+                      <a:endParaRPr lang="es-ES" sz="1800" dirty="0"/>
                     </a:p>
                   </a:txBody>
                   <a:tcPr anchor="ctr">
@@ -7878,12 +7878,12 @@
                         <a:buNone/>
                       </a:pPr>
                       <a:r>
-                        <a:rPr lang="es-ES" sz="1500" dirty="0" smtClean="0">
+                        <a:rPr lang="es-ES" sz="1600" dirty="0" smtClean="0">
                           <a:effectLst/>
                         </a:rPr>
                         <a:t>Falta de colaboración por parte de las autoridades de la Oficina Central de Fe y Alegría para ofrecer la información necesaria para el desarrollo del proyecto “Arquitectura de Negocios de la Oficina Central de Fe y Alegría Perú”.</a:t>
                       </a:r>
-                      <a:endParaRPr lang="es-PE" sz="1500" dirty="0" smtClean="0">
+                      <a:endParaRPr lang="es-PE" sz="1600" dirty="0" smtClean="0">
                         <a:effectLst/>
                         <a:latin typeface="Times New Roman"/>
                         <a:ea typeface="Times New Roman"/>
@@ -7950,7 +7950,7 @@
                           <a:spcPts val="1000"/>
                         </a:spcAft>
                       </a:pPr>
-                      <a:endParaRPr lang="es-ES" sz="1500" dirty="0">
+                      <a:endParaRPr lang="es-ES" sz="2000" dirty="0">
                         <a:latin typeface="Arial"/>
                         <a:ea typeface="Times New Roman"/>
                         <a:cs typeface="Times New Roman"/>
@@ -8022,12 +8022,12 @@
                         <a:buNone/>
                       </a:pPr>
                       <a:r>
-                        <a:rPr lang="es-ES" sz="1500" dirty="0" smtClean="0">
+                        <a:rPr lang="es-ES" sz="1600" dirty="0" smtClean="0">
                           <a:effectLst/>
                         </a:rPr>
                         <a:t>Mayor complejidad de la prevista en el desarrollo e integración de todos los procesos de negocio empresarial de la Oficina Central de Fe y Alegría Perú. </a:t>
                       </a:r>
-                      <a:endParaRPr lang="es-PE" sz="1500" dirty="0" smtClean="0">
+                      <a:endParaRPr lang="es-PE" sz="1600" dirty="0" smtClean="0">
                         <a:solidFill>
                           <a:srgbClr val="000000"/>
                         </a:solidFill>
@@ -8097,7 +8097,7 @@
                           <a:spcPts val="1000"/>
                         </a:spcAft>
                       </a:pPr>
-                      <a:endParaRPr lang="es-ES" sz="1500" dirty="0">
+                      <a:endParaRPr lang="es-ES" sz="2000" dirty="0">
                         <a:latin typeface="Arial"/>
                         <a:ea typeface="Times New Roman"/>
                         <a:cs typeface="Times New Roman"/>
@@ -8169,12 +8169,12 @@
                         <a:buNone/>
                       </a:pPr>
                       <a:r>
-                        <a:rPr lang="es-ES" sz="1500" dirty="0" smtClean="0">
+                        <a:rPr lang="es-ES" sz="1600" dirty="0" smtClean="0">
                           <a:effectLst/>
                         </a:rPr>
                         <a:t>Carencia de recursos asignados al proyecto por parte de la Gerencia de Proyectos y Recursos Humanos de la Empresa Virtual Educa-T.</a:t>
                       </a:r>
-                      <a:endParaRPr lang="es-PE" sz="1500" dirty="0" smtClean="0">
+                      <a:endParaRPr lang="es-PE" sz="1600" dirty="0" smtClean="0">
                         <a:solidFill>
                           <a:srgbClr val="000000"/>
                         </a:solidFill>
@@ -8247,7 +8247,7 @@
                           <a:tab pos="900430" algn="l"/>
                         </a:tabLst>
                       </a:pPr>
-                      <a:endParaRPr lang="es-ES" sz="1500" dirty="0">
+                      <a:endParaRPr lang="es-ES" sz="2000" dirty="0">
                         <a:latin typeface="Arial"/>
                         <a:ea typeface="Times New Roman"/>
                         <a:cs typeface="Times New Roman"/>
@@ -8319,12 +8319,12 @@
                         <a:buNone/>
                       </a:pPr>
                       <a:r>
-                        <a:rPr lang="es-ES" sz="1500" dirty="0" smtClean="0">
+                        <a:rPr lang="es-ES" sz="1600" dirty="0" smtClean="0">
                           <a:effectLst/>
                         </a:rPr>
                         <a:t>Insatisfacción por parte del cliente con el trabajo realizado durante el Proyecto.</a:t>
                       </a:r>
-                      <a:endParaRPr lang="es-PE" sz="1500" dirty="0" smtClean="0">
+                      <a:endParaRPr lang="es-PE" sz="1600" dirty="0" smtClean="0">
                         <a:solidFill>
                           <a:srgbClr val="000000"/>
                         </a:solidFill>
@@ -8397,7 +8397,7 @@
                           <a:tab pos="900430" algn="l"/>
                         </a:tabLst>
                       </a:pPr>
-                      <a:endParaRPr lang="es-ES" sz="1500" dirty="0">
+                      <a:endParaRPr lang="es-ES" sz="2000" dirty="0">
                         <a:latin typeface="Arial"/>
                         <a:ea typeface="Times New Roman"/>
                         <a:cs typeface="Times New Roman"/>
@@ -8476,12 +8476,12 @@
                         <a:defRPr/>
                       </a:pPr>
                       <a:r>
-                        <a:rPr lang="es-ES" sz="1500" dirty="0" smtClean="0">
+                        <a:rPr lang="es-ES" sz="1600" dirty="0" smtClean="0">
                           <a:effectLst/>
                         </a:rPr>
                         <a:t>Cambios radicales en los procesos de la Oficina Central de Fe y Alegría después de que hayan sido modelados.</a:t>
                       </a:r>
-                      <a:endParaRPr lang="es-PE" sz="1500" dirty="0" smtClean="0">
+                      <a:endParaRPr lang="es-PE" sz="1600" dirty="0" smtClean="0">
                         <a:effectLst/>
                         <a:latin typeface="Times New Roman"/>
                         <a:ea typeface="Times New Roman"/>
@@ -8551,7 +8551,7 @@
                           <a:tab pos="900430" algn="l"/>
                         </a:tabLst>
                       </a:pPr>
-                      <a:endParaRPr lang="es-ES" sz="1500" dirty="0">
+                      <a:endParaRPr lang="es-ES" sz="2000" dirty="0">
                         <a:latin typeface="Arial"/>
                         <a:ea typeface="Times New Roman"/>
                         <a:cs typeface="Times New Roman"/>
@@ -8673,7 +8673,7 @@
         </p:blipFill>
         <p:spPr bwMode="auto">
           <a:xfrm>
-            <a:off x="7596336" y="2492896"/>
+            <a:off x="7596336" y="2705746"/>
             <a:ext cx="474662" cy="357187"/>
           </a:xfrm>
           <a:prstGeom prst="rect">
@@ -8716,7 +8716,7 @@
         </p:blipFill>
         <p:spPr bwMode="auto">
           <a:xfrm>
-            <a:off x="7553722" y="3933056"/>
+            <a:off x="7553722" y="4511973"/>
             <a:ext cx="474662" cy="357187"/>
           </a:xfrm>
           <a:prstGeom prst="rect">
@@ -8759,7 +8759,7 @@
         </p:blipFill>
         <p:spPr bwMode="auto">
           <a:xfrm>
-            <a:off x="7524328" y="5229200"/>
+            <a:off x="7524328" y="5952133"/>
             <a:ext cx="474662" cy="357187"/>
           </a:xfrm>
           <a:prstGeom prst="rect">
@@ -8802,7 +8802,7 @@
         </p:blipFill>
         <p:spPr bwMode="auto">
           <a:xfrm>
-            <a:off x="7553722" y="3284984"/>
+            <a:off x="7553722" y="3791893"/>
             <a:ext cx="474662" cy="357187"/>
           </a:xfrm>
           <a:prstGeom prst="rect">
@@ -8845,7 +8845,7 @@
         </p:blipFill>
         <p:spPr bwMode="auto">
           <a:xfrm>
-            <a:off x="7553722" y="4581128"/>
+            <a:off x="7553722" y="5166072"/>
             <a:ext cx="474662" cy="357187"/>
           </a:xfrm>
           <a:prstGeom prst="rect">
@@ -8860,67 +8860,6 @@
           </a:ln>
         </p:spPr>
       </p:pic>
-      <p:sp>
-        <p:nvSpPr>
-          <p:cNvPr id="3" name="2 CuadroTexto"/>
-          <p:cNvSpPr txBox="1"/>
-          <p:nvPr/>
-        </p:nvSpPr>
-        <p:spPr>
-          <a:xfrm>
-            <a:off x="395536" y="6220142"/>
-            <a:ext cx="2808312" cy="369332"/>
-          </a:xfrm>
-          <a:prstGeom prst="rect">
-            <a:avLst/>
-          </a:prstGeom>
-          <a:noFill/>
-        </p:spPr>
-        <p:txBody>
-          <a:bodyPr wrap="square" rtlCol="0">
-            <a:spAutoFit/>
-          </a:bodyPr>
-          <a:lstStyle/>
-          <a:p>
-            <a:r>
-              <a:rPr lang="es-PE" b="1" dirty="0" smtClean="0">
-                <a:solidFill>
-                  <a:schemeClr val="accent6">
-                    <a:lumMod val="50000"/>
-                  </a:schemeClr>
-                </a:solidFill>
-                <a:effectLst>
-                  <a:outerShdw blurRad="38100" dist="38100" dir="2700000" algn="tl">
-                    <a:srgbClr val="000000">
-                      <a:alpha val="43137"/>
-                    </a:srgbClr>
-                  </a:outerShdw>
-                </a:effectLst>
-                <a:latin typeface="Calibri" pitchFamily="34" charset="0"/>
-                <a:cs typeface="Calibri" pitchFamily="34" charset="0"/>
-                <a:hlinkClick r:id="rId3" action="ppaction://hlinkfile"/>
-              </a:rPr>
-              <a:t>Registro de Riesgos</a:t>
-            </a:r>
-            <a:endParaRPr lang="es-PE" b="1" dirty="0" smtClean="0">
-              <a:solidFill>
-                <a:schemeClr val="accent6">
-                  <a:lumMod val="50000"/>
-                </a:schemeClr>
-              </a:solidFill>
-              <a:effectLst>
-                <a:outerShdw blurRad="38100" dist="38100" dir="2700000" algn="tl">
-                  <a:srgbClr val="000000">
-                    <a:alpha val="43137"/>
-                  </a:srgbClr>
-                </a:outerShdw>
-              </a:effectLst>
-              <a:latin typeface="Calibri" pitchFamily="34" charset="0"/>
-              <a:cs typeface="Calibri" pitchFamily="34" charset="0"/>
-            </a:endParaRPr>
-          </a:p>
-        </p:txBody>
-      </p:sp>
     </p:spTree>
   </p:cSld>
   <p:clrMapOvr>
@@ -12835,6 +12774,10 @@
               </a:rPr>
               <a:t>Gestión de Control de Pagos</a:t>
             </a:r>
+            <a:endParaRPr lang="es-PE" sz="1200" b="1" dirty="0" smtClean="0">
+              <a:latin typeface="Calibri" pitchFamily="34" charset="0"/>
+              <a:cs typeface="Calibri" pitchFamily="34" charset="0"/>
+            </a:endParaRPr>
           </a:p>
         </p:txBody>
       </p:sp>
@@ -12978,7 +12921,11 @@
             </a:pPr>
             <a:r>
               <a:rPr lang="es-ES" sz="2100" b="1" dirty="0" smtClean="0"/>
-              <a:t>Objetivos del Proyecto</a:t>
+              <a:t>Objetivos del </a:t>
+            </a:r>
+            <a:r>
+              <a:rPr lang="es-ES" sz="2100" b="1" dirty="0" smtClean="0"/>
+              <a:t>Proyecto</a:t>
             </a:r>
           </a:p>
           <a:p>
@@ -13002,6 +12949,7 @@
               <a:rPr lang="es-ES" sz="2100" b="1" dirty="0" smtClean="0"/>
               <a:t>Hitos</a:t>
             </a:r>
+            <a:endParaRPr lang="es-ES" sz="2100" b="1" dirty="0" smtClean="0"/>
           </a:p>
           <a:p>
             <a:pPr>
@@ -25633,7 +25581,7 @@
 <file path=ppt/theme/theme1.xml><?xml version="1.0" encoding="utf-8"?>
 <a:theme xmlns:a="http://schemas.openxmlformats.org/drawingml/2006/main" name="sigcol2">
   <a:themeElements>
-    <a:clrScheme name="Personalizado 1">
+    <a:clrScheme name="Office">
       <a:dk1>
         <a:sysClr val="windowText" lastClr="000000"/>
       </a:dk1>
@@ -25665,10 +25613,10 @@
         <a:srgbClr val="F79646"/>
       </a:accent6>
       <a:hlink>
-        <a:srgbClr val="F68C33"/>
+        <a:srgbClr val="0000FF"/>
       </a:hlink>
       <a:folHlink>
-        <a:srgbClr val="974806"/>
+        <a:srgbClr val="800080"/>
       </a:folHlink>
     </a:clrScheme>
     <a:fontScheme name="Module">
@@ -26477,4 +26425,90 @@
   <a:objectDefaults/>
   <a:extraClrSchemeLst/>
 </a:theme>
+</file>
+
+<file path=ppt/theme/themeOverride1.xml><?xml version="1.0" encoding="utf-8"?>
+<a:themeOverride xmlns:a="http://schemas.openxmlformats.org/drawingml/2006/main">
+  <a:clrScheme name="Office">
+    <a:dk1>
+      <a:sysClr val="windowText" lastClr="000000"/>
+    </a:dk1>
+    <a:lt1>
+      <a:sysClr val="window" lastClr="FFFFFF"/>
+    </a:lt1>
+    <a:dk2>
+      <a:srgbClr val="1F497D"/>
+    </a:dk2>
+    <a:lt2>
+      <a:srgbClr val="EEECE1"/>
+    </a:lt2>
+    <a:accent1>
+      <a:srgbClr val="4F81BD"/>
+    </a:accent1>
+    <a:accent2>
+      <a:srgbClr val="C0504D"/>
+    </a:accent2>
+    <a:accent3>
+      <a:srgbClr val="9BBB59"/>
+    </a:accent3>
+    <a:accent4>
+      <a:srgbClr val="8064A2"/>
+    </a:accent4>
+    <a:accent5>
+      <a:srgbClr val="4BACC6"/>
+    </a:accent5>
+    <a:accent6>
+      <a:srgbClr val="F79646"/>
+    </a:accent6>
+    <a:hlink>
+      <a:srgbClr val="0000FF"/>
+    </a:hlink>
+    <a:folHlink>
+      <a:srgbClr val="800080"/>
+    </a:folHlink>
+  </a:clrScheme>
+</a:themeOverride>
+</file>
+
+<file path=ppt/theme/themeOverride2.xml><?xml version="1.0" encoding="utf-8"?>
+<a:themeOverride xmlns:a="http://schemas.openxmlformats.org/drawingml/2006/main">
+  <a:clrScheme name="Office">
+    <a:dk1>
+      <a:sysClr val="windowText" lastClr="000000"/>
+    </a:dk1>
+    <a:lt1>
+      <a:sysClr val="window" lastClr="FFFFFF"/>
+    </a:lt1>
+    <a:dk2>
+      <a:srgbClr val="1F497D"/>
+    </a:dk2>
+    <a:lt2>
+      <a:srgbClr val="EEECE1"/>
+    </a:lt2>
+    <a:accent1>
+      <a:srgbClr val="4F81BD"/>
+    </a:accent1>
+    <a:accent2>
+      <a:srgbClr val="C0504D"/>
+    </a:accent2>
+    <a:accent3>
+      <a:srgbClr val="9BBB59"/>
+    </a:accent3>
+    <a:accent4>
+      <a:srgbClr val="8064A2"/>
+    </a:accent4>
+    <a:accent5>
+      <a:srgbClr val="4BACC6"/>
+    </a:accent5>
+    <a:accent6>
+      <a:srgbClr val="F79646"/>
+    </a:accent6>
+    <a:hlink>
+      <a:srgbClr val="0000FF"/>
+    </a:hlink>
+    <a:folHlink>
+      <a:srgbClr val="800080"/>
+    </a:folHlink>
+  </a:clrScheme>
+</a:themeOverride>
 </file>